--- a/eCommerce/Lectures/6th Week Lecture.pptx
+++ b/eCommerce/Lectures/6th Week Lecture.pptx
@@ -16,9 +16,12 @@
     <p:sldId id="269" r:id="rId10"/>
     <p:sldId id="270" r:id="rId11"/>
     <p:sldId id="257" r:id="rId12"/>
-    <p:sldId id="258" r:id="rId13"/>
-    <p:sldId id="259" r:id="rId14"/>
-    <p:sldId id="260" r:id="rId15"/>
+    <p:sldId id="271" r:id="rId13"/>
+    <p:sldId id="258" r:id="rId14"/>
+    <p:sldId id="259" r:id="rId15"/>
+    <p:sldId id="272" r:id="rId16"/>
+    <p:sldId id="260" r:id="rId17"/>
+    <p:sldId id="273" r:id="rId18"/>
   </p:sldIdLst>
   <p:sldSz cx="12192000" cy="6858000"/>
   <p:notesSz cx="6858000" cy="9144000"/>
@@ -847,7 +850,7 @@
           <a:p>
             <a:fld id="{F92B177F-34A6-4B22-B4DE-0B5E1D1AE6C4}" type="datetimeFigureOut">
               <a:rPr lang="en-US" smtClean="0"/>
-              <a:t>4/16/2024</a:t>
+              <a:t>4/17/2024</a:t>
             </a:fld>
             <a:endParaRPr lang="en-US"/>
           </a:p>
@@ -1098,7 +1101,7 @@
           <a:p>
             <a:fld id="{F92B177F-34A6-4B22-B4DE-0B5E1D1AE6C4}" type="datetimeFigureOut">
               <a:rPr lang="en-US" smtClean="0"/>
-              <a:t>4/16/2024</a:t>
+              <a:t>4/17/2024</a:t>
             </a:fld>
             <a:endParaRPr lang="en-US"/>
           </a:p>
@@ -1412,7 +1415,7 @@
           <a:p>
             <a:fld id="{F92B177F-34A6-4B22-B4DE-0B5E1D1AE6C4}" type="datetimeFigureOut">
               <a:rPr lang="en-US" smtClean="0"/>
-              <a:t>4/16/2024</a:t>
+              <a:t>4/17/2024</a:t>
             </a:fld>
             <a:endParaRPr lang="en-US"/>
           </a:p>
@@ -1753,7 +1756,7 @@
           <a:p>
             <a:fld id="{F92B177F-34A6-4B22-B4DE-0B5E1D1AE6C4}" type="datetimeFigureOut">
               <a:rPr lang="en-US" smtClean="0"/>
-              <a:t>4/16/2024</a:t>
+              <a:t>4/17/2024</a:t>
             </a:fld>
             <a:endParaRPr lang="en-US"/>
           </a:p>
@@ -2067,7 +2070,7 @@
           <a:p>
             <a:fld id="{F92B177F-34A6-4B22-B4DE-0B5E1D1AE6C4}" type="datetimeFigureOut">
               <a:rPr lang="en-US" smtClean="0"/>
-              <a:t>4/16/2024</a:t>
+              <a:t>4/17/2024</a:t>
             </a:fld>
             <a:endParaRPr lang="en-US"/>
           </a:p>
@@ -2460,7 +2463,7 @@
           <a:p>
             <a:fld id="{F92B177F-34A6-4B22-B4DE-0B5E1D1AE6C4}" type="datetimeFigureOut">
               <a:rPr lang="en-US" smtClean="0"/>
-              <a:t>4/16/2024</a:t>
+              <a:t>4/17/2024</a:t>
             </a:fld>
             <a:endParaRPr lang="en-US"/>
           </a:p>
@@ -2630,7 +2633,7 @@
           <a:p>
             <a:fld id="{F92B177F-34A6-4B22-B4DE-0B5E1D1AE6C4}" type="datetimeFigureOut">
               <a:rPr lang="en-US" smtClean="0"/>
-              <a:t>4/16/2024</a:t>
+              <a:t>4/17/2024</a:t>
             </a:fld>
             <a:endParaRPr lang="en-US"/>
           </a:p>
@@ -2810,7 +2813,7 @@
           <a:p>
             <a:fld id="{F92B177F-34A6-4B22-B4DE-0B5E1D1AE6C4}" type="datetimeFigureOut">
               <a:rPr lang="en-US" smtClean="0"/>
-              <a:t>4/16/2024</a:t>
+              <a:t>4/17/2024</a:t>
             </a:fld>
             <a:endParaRPr lang="en-US"/>
           </a:p>
@@ -2986,7 +2989,7 @@
           <a:p>
             <a:fld id="{F92B177F-34A6-4B22-B4DE-0B5E1D1AE6C4}" type="datetimeFigureOut">
               <a:rPr lang="en-US" smtClean="0"/>
-              <a:t>4/16/2024</a:t>
+              <a:t>4/17/2024</a:t>
             </a:fld>
             <a:endParaRPr lang="en-US"/>
           </a:p>
@@ -3233,7 +3236,7 @@
           <a:p>
             <a:fld id="{F92B177F-34A6-4B22-B4DE-0B5E1D1AE6C4}" type="datetimeFigureOut">
               <a:rPr lang="en-US" smtClean="0"/>
-              <a:t>4/16/2024</a:t>
+              <a:t>4/17/2024</a:t>
             </a:fld>
             <a:endParaRPr lang="en-US"/>
           </a:p>
@@ -3465,7 +3468,7 @@
           <a:p>
             <a:fld id="{F92B177F-34A6-4B22-B4DE-0B5E1D1AE6C4}" type="datetimeFigureOut">
               <a:rPr lang="en-US" smtClean="0"/>
-              <a:t>4/16/2024</a:t>
+              <a:t>4/17/2024</a:t>
             </a:fld>
             <a:endParaRPr lang="en-US"/>
           </a:p>
@@ -3839,7 +3842,7 @@
           <a:p>
             <a:fld id="{F92B177F-34A6-4B22-B4DE-0B5E1D1AE6C4}" type="datetimeFigureOut">
               <a:rPr lang="en-US" smtClean="0"/>
-              <a:t>4/16/2024</a:t>
+              <a:t>4/17/2024</a:t>
             </a:fld>
             <a:endParaRPr lang="en-US"/>
           </a:p>
@@ -3962,7 +3965,7 @@
           <a:p>
             <a:fld id="{F92B177F-34A6-4B22-B4DE-0B5E1D1AE6C4}" type="datetimeFigureOut">
               <a:rPr lang="en-US" smtClean="0"/>
-              <a:t>4/16/2024</a:t>
+              <a:t>4/17/2024</a:t>
             </a:fld>
             <a:endParaRPr lang="en-US"/>
           </a:p>
@@ -4057,7 +4060,7 @@
           <a:p>
             <a:fld id="{F92B177F-34A6-4B22-B4DE-0B5E1D1AE6C4}" type="datetimeFigureOut">
               <a:rPr lang="en-US" smtClean="0"/>
-              <a:t>4/16/2024</a:t>
+              <a:t>4/17/2024</a:t>
             </a:fld>
             <a:endParaRPr lang="en-US"/>
           </a:p>
@@ -4312,7 +4315,7 @@
           <a:p>
             <a:fld id="{F92B177F-34A6-4B22-B4DE-0B5E1D1AE6C4}" type="datetimeFigureOut">
               <a:rPr lang="en-US" smtClean="0"/>
-              <a:t>4/16/2024</a:t>
+              <a:t>4/17/2024</a:t>
             </a:fld>
             <a:endParaRPr lang="en-US"/>
           </a:p>
@@ -4575,7 +4578,7 @@
           <a:p>
             <a:fld id="{F92B177F-34A6-4B22-B4DE-0B5E1D1AE6C4}" type="datetimeFigureOut">
               <a:rPr lang="en-US" smtClean="0"/>
-              <a:t>4/16/2024</a:t>
+              <a:t>4/17/2024</a:t>
             </a:fld>
             <a:endParaRPr lang="en-US"/>
           </a:p>
@@ -5318,7 +5321,7 @@
           <a:p>
             <a:fld id="{F92B177F-34A6-4B22-B4DE-0B5E1D1AE6C4}" type="datetimeFigureOut">
               <a:rPr lang="en-US" smtClean="0"/>
-              <a:t>4/16/2024</a:t>
+              <a:t>4/17/2024</a:t>
             </a:fld>
             <a:endParaRPr lang="en-US"/>
           </a:p>
@@ -6309,7 +6312,7 @@
                   <a:schemeClr val="tx1"/>
                 </a:solidFill>
               </a:rPr>
-              <a:t>1</a:t>
+              <a:t>10</a:t>
             </a:r>
           </a:p>
         </p:txBody>
@@ -6590,7 +6593,7 @@
                   <a:schemeClr val="tx1"/>
                 </a:solidFill>
               </a:rPr>
-              <a:t>2</a:t>
+              <a:t>11</a:t>
             </a:r>
           </a:p>
         </p:txBody>
@@ -6739,6 +6742,368 @@
 </file>
 
 <file path=ppt/slides/slide12.xml><?xml version="1.0" encoding="utf-8"?>
+<p:sld xmlns:a="http://schemas.openxmlformats.org/drawingml/2006/main" xmlns:r="http://schemas.openxmlformats.org/officeDocument/2006/relationships" xmlns:p="http://schemas.openxmlformats.org/presentationml/2006/main">
+  <p:cSld>
+    <p:spTree>
+      <p:nvGrpSpPr>
+        <p:cNvPr id="1" name="">
+          <a:extLst>
+            <a:ext uri="{FF2B5EF4-FFF2-40B4-BE49-F238E27FC236}">
+              <a16:creationId xmlns:a16="http://schemas.microsoft.com/office/drawing/2014/main" id="{12644108-2A31-6510-94E5-45B3916D318F}"/>
+            </a:ext>
+          </a:extLst>
+        </p:cNvPr>
+        <p:cNvGrpSpPr/>
+        <p:nvPr/>
+      </p:nvGrpSpPr>
+      <p:grpSpPr>
+        <a:xfrm>
+          <a:off x="0" y="0"/>
+          <a:ext cx="0" cy="0"/>
+          <a:chOff x="0" y="0"/>
+          <a:chExt cx="0" cy="0"/>
+        </a:xfrm>
+      </p:grpSpPr>
+      <p:pic>
+        <p:nvPicPr>
+          <p:cNvPr id="7" name="Picture 6">
+            <a:extLst>
+              <a:ext uri="{FF2B5EF4-FFF2-40B4-BE49-F238E27FC236}">
+                <a16:creationId xmlns:a16="http://schemas.microsoft.com/office/drawing/2014/main" id="{893227AE-6510-32D3-BB38-0D820A57CE4C}"/>
+              </a:ext>
+            </a:extLst>
+          </p:cNvPr>
+          <p:cNvPicPr>
+            <a:picLocks noChangeAspect="1"/>
+          </p:cNvPicPr>
+          <p:nvPr/>
+        </p:nvPicPr>
+        <p:blipFill>
+          <a:blip r:embed="rId2">
+            <a:extLst>
+              <a:ext uri="{28A0092B-C50C-407E-A947-70E740481C1C}">
+                <a14:useLocalDpi xmlns:a14="http://schemas.microsoft.com/office/drawing/2010/main" val="0"/>
+              </a:ext>
+            </a:extLst>
+          </a:blip>
+          <a:stretch>
+            <a:fillRect/>
+          </a:stretch>
+        </p:blipFill>
+        <p:spPr>
+          <a:xfrm>
+            <a:off x="0" y="4844958"/>
+            <a:ext cx="1915235" cy="1915235"/>
+          </a:xfrm>
+          <a:prstGeom prst="rect">
+            <a:avLst/>
+          </a:prstGeom>
+        </p:spPr>
+      </p:pic>
+      <p:sp>
+        <p:nvSpPr>
+          <p:cNvPr id="8" name="TextBox 7">
+            <a:extLst>
+              <a:ext uri="{FF2B5EF4-FFF2-40B4-BE49-F238E27FC236}">
+                <a16:creationId xmlns:a16="http://schemas.microsoft.com/office/drawing/2014/main" id="{9261B6D3-F008-5590-6911-77CF4DF5D8FC}"/>
+              </a:ext>
+            </a:extLst>
+          </p:cNvPr>
+          <p:cNvSpPr txBox="1"/>
+          <p:nvPr/>
+        </p:nvSpPr>
+        <p:spPr>
+          <a:xfrm>
+            <a:off x="9778558" y="259307"/>
+            <a:ext cx="2536272" cy="461665"/>
+          </a:xfrm>
+          <a:prstGeom prst="rect">
+            <a:avLst/>
+          </a:prstGeom>
+          <a:noFill/>
+        </p:spPr>
+        <p:txBody>
+          <a:bodyPr wrap="square" rtlCol="0">
+            <a:spAutoFit/>
+          </a:bodyPr>
+          <a:lstStyle/>
+          <a:p>
+            <a:r>
+              <a:rPr lang="en-US" sz="2400" b="1" dirty="0">
+                <a:solidFill>
+                  <a:schemeClr val="bg1"/>
+                </a:solidFill>
+                <a:latin typeface="Arial Black" panose="020B0A04020102020204" pitchFamily="34" charset="0"/>
+              </a:rPr>
+              <a:t>AI Academy</a:t>
+            </a:r>
+            <a:r>
+              <a:rPr lang="en-US" sz="2400" b="0" i="0" dirty="0">
+                <a:solidFill>
+                  <a:schemeClr val="bg1"/>
+                </a:solidFill>
+                <a:effectLst/>
+                <a:latin typeface="arial" panose="020B0604020202020204" pitchFamily="34" charset="0"/>
+              </a:rPr>
+              <a:t>®</a:t>
+            </a:r>
+            <a:endParaRPr lang="en-US" sz="2400" b="1" dirty="0">
+              <a:solidFill>
+                <a:schemeClr val="bg1"/>
+              </a:solidFill>
+              <a:latin typeface="Arial Black" panose="020B0A04020102020204" pitchFamily="34" charset="0"/>
+            </a:endParaRPr>
+          </a:p>
+        </p:txBody>
+      </p:sp>
+      <p:sp>
+        <p:nvSpPr>
+          <p:cNvPr id="13" name="Scroll: Vertical 12">
+            <a:extLst>
+              <a:ext uri="{FF2B5EF4-FFF2-40B4-BE49-F238E27FC236}">
+                <a16:creationId xmlns:a16="http://schemas.microsoft.com/office/drawing/2014/main" id="{3CF1C822-9414-86F2-BCB8-C6E871951834}"/>
+              </a:ext>
+            </a:extLst>
+          </p:cNvPr>
+          <p:cNvSpPr/>
+          <p:nvPr/>
+        </p:nvSpPr>
+        <p:spPr>
+          <a:xfrm>
+            <a:off x="10459839" y="887102"/>
+            <a:ext cx="1091821" cy="873457"/>
+          </a:xfrm>
+          <a:prstGeom prst="verticalScroll">
+            <a:avLst/>
+          </a:prstGeom>
+          <a:solidFill>
+            <a:schemeClr val="bg1"/>
+          </a:solidFill>
+        </p:spPr>
+        <p:style>
+          <a:lnRef idx="2">
+            <a:schemeClr val="accent1">
+              <a:shade val="15000"/>
+            </a:schemeClr>
+          </a:lnRef>
+          <a:fillRef idx="1">
+            <a:schemeClr val="accent1"/>
+          </a:fillRef>
+          <a:effectRef idx="0">
+            <a:schemeClr val="accent1"/>
+          </a:effectRef>
+          <a:fontRef idx="minor">
+            <a:schemeClr val="lt1"/>
+          </a:fontRef>
+        </p:style>
+        <p:txBody>
+          <a:bodyPr rtlCol="0" anchor="ctr"/>
+          <a:lstStyle/>
+          <a:p>
+            <a:pPr algn="ctr"/>
+            <a:r>
+              <a:rPr lang="en-US" sz="4400" b="1" dirty="0">
+                <a:solidFill>
+                  <a:schemeClr val="tx1"/>
+                </a:solidFill>
+              </a:rPr>
+              <a:t>12</a:t>
+            </a:r>
+          </a:p>
+        </p:txBody>
+      </p:sp>
+      <p:sp>
+        <p:nvSpPr>
+          <p:cNvPr id="2" name="TextBox 1">
+            <a:extLst>
+              <a:ext uri="{FF2B5EF4-FFF2-40B4-BE49-F238E27FC236}">
+                <a16:creationId xmlns:a16="http://schemas.microsoft.com/office/drawing/2014/main" id="{420202AC-A635-F93D-6945-B78498DFD001}"/>
+              </a:ext>
+            </a:extLst>
+          </p:cNvPr>
+          <p:cNvSpPr txBox="1"/>
+          <p:nvPr/>
+        </p:nvSpPr>
+        <p:spPr>
+          <a:xfrm>
+            <a:off x="1915235" y="1255590"/>
+            <a:ext cx="8008254" cy="4723857"/>
+          </a:xfrm>
+          <a:prstGeom prst="rect">
+            <a:avLst/>
+          </a:prstGeom>
+          <a:noFill/>
+        </p:spPr>
+        <p:txBody>
+          <a:bodyPr wrap="square" rtlCol="0">
+            <a:spAutoFit/>
+          </a:bodyPr>
+          <a:lstStyle/>
+          <a:p>
+            <a:pPr marL="571500" indent="-571500">
+              <a:lnSpc>
+                <a:spcPct val="150000"/>
+              </a:lnSpc>
+              <a:buFont typeface="Wingdings" panose="05000000000000000000" pitchFamily="2" charset="2"/>
+              <a:buChar char="v"/>
+            </a:pPr>
+            <a:r>
+              <a:rPr lang="en-US" sz="3600" b="1" dirty="0">
+                <a:latin typeface="Times New Roman" panose="02020603050405020304" pitchFamily="18" charset="0"/>
+                <a:cs typeface="Times New Roman" panose="02020603050405020304" pitchFamily="18" charset="0"/>
+              </a:rPr>
+              <a:t>Searching Techniques:</a:t>
+            </a:r>
+          </a:p>
+          <a:p>
+            <a:pPr marL="1485900" lvl="2" indent="-571500">
+              <a:lnSpc>
+                <a:spcPct val="150000"/>
+              </a:lnSpc>
+              <a:buFont typeface="+mj-lt"/>
+              <a:buAutoNum type="romanUcPeriod"/>
+            </a:pPr>
+            <a:r>
+              <a:rPr lang="en-US" sz="2800" dirty="0">
+                <a:latin typeface="Times New Roman" panose="02020603050405020304" pitchFamily="18" charset="0"/>
+                <a:cs typeface="Times New Roman" panose="02020603050405020304" pitchFamily="18" charset="0"/>
+              </a:rPr>
+              <a:t>Keyword Search like, Cup, Coffee Cup, etc.</a:t>
+            </a:r>
+          </a:p>
+          <a:p>
+            <a:pPr marL="1485900" lvl="2" indent="-571500">
+              <a:lnSpc>
+                <a:spcPct val="150000"/>
+              </a:lnSpc>
+              <a:buFont typeface="+mj-lt"/>
+              <a:buAutoNum type="romanUcPeriod"/>
+            </a:pPr>
+            <a:r>
+              <a:rPr lang="en-US" sz="2800" dirty="0">
+                <a:latin typeface="Times New Roman" panose="02020603050405020304" pitchFamily="18" charset="0"/>
+                <a:cs typeface="Times New Roman" panose="02020603050405020304" pitchFamily="18" charset="0"/>
+              </a:rPr>
+              <a:t>See Best Sellers, or Hot winning Products</a:t>
+            </a:r>
+          </a:p>
+          <a:p>
+            <a:pPr marL="1485900" lvl="2" indent="-571500">
+              <a:lnSpc>
+                <a:spcPct val="150000"/>
+              </a:lnSpc>
+              <a:buFont typeface="+mj-lt"/>
+              <a:buAutoNum type="romanUcPeriod"/>
+            </a:pPr>
+            <a:r>
+              <a:rPr lang="en-US" sz="2800" dirty="0">
+                <a:latin typeface="Times New Roman" panose="02020603050405020304" pitchFamily="18" charset="0"/>
+                <a:cs typeface="Times New Roman" panose="02020603050405020304" pitchFamily="18" charset="0"/>
+              </a:rPr>
+              <a:t>Today Deals</a:t>
+            </a:r>
+          </a:p>
+          <a:p>
+            <a:pPr marL="1485900" lvl="2" indent="-571500">
+              <a:lnSpc>
+                <a:spcPct val="150000"/>
+              </a:lnSpc>
+              <a:buFont typeface="+mj-lt"/>
+              <a:buAutoNum type="romanUcPeriod"/>
+            </a:pPr>
+            <a:r>
+              <a:rPr lang="en-US" sz="2800" dirty="0">
+                <a:latin typeface="Times New Roman" panose="02020603050405020304" pitchFamily="18" charset="0"/>
+                <a:cs typeface="Times New Roman" panose="02020603050405020304" pitchFamily="18" charset="0"/>
+              </a:rPr>
+              <a:t>Top Product Reviews</a:t>
+            </a:r>
+          </a:p>
+          <a:p>
+            <a:pPr marL="1485900" lvl="2" indent="-571500">
+              <a:lnSpc>
+                <a:spcPct val="150000"/>
+              </a:lnSpc>
+              <a:buFont typeface="+mj-lt"/>
+              <a:buAutoNum type="romanUcPeriod"/>
+            </a:pPr>
+            <a:r>
+              <a:rPr lang="en-US" sz="2800" dirty="0">
+                <a:latin typeface="Times New Roman" panose="02020603050405020304" pitchFamily="18" charset="0"/>
+                <a:cs typeface="Times New Roman" panose="02020603050405020304" pitchFamily="18" charset="0"/>
+              </a:rPr>
+              <a:t>Use tool of Helium10, JS, etc.</a:t>
+            </a:r>
+          </a:p>
+          <a:p>
+            <a:pPr marL="1485900" lvl="2" indent="-571500">
+              <a:lnSpc>
+                <a:spcPct val="150000"/>
+              </a:lnSpc>
+              <a:buFont typeface="+mj-lt"/>
+              <a:buAutoNum type="romanUcPeriod"/>
+            </a:pPr>
+            <a:r>
+              <a:rPr lang="en-US" sz="2800" dirty="0">
+                <a:latin typeface="Times New Roman" panose="02020603050405020304" pitchFamily="18" charset="0"/>
+                <a:cs typeface="Times New Roman" panose="02020603050405020304" pitchFamily="18" charset="0"/>
+              </a:rPr>
+              <a:t>See Discounts, Offers, Coupons.</a:t>
+            </a:r>
+          </a:p>
+        </p:txBody>
+      </p:sp>
+      <p:sp>
+        <p:nvSpPr>
+          <p:cNvPr id="4" name="TextBox 3">
+            <a:extLst>
+              <a:ext uri="{FF2B5EF4-FFF2-40B4-BE49-F238E27FC236}">
+                <a16:creationId xmlns:a16="http://schemas.microsoft.com/office/drawing/2014/main" id="{9AC3A5CA-5098-09CC-CA86-00A37D17B9E3}"/>
+              </a:ext>
+            </a:extLst>
+          </p:cNvPr>
+          <p:cNvSpPr txBox="1"/>
+          <p:nvPr/>
+        </p:nvSpPr>
+        <p:spPr>
+          <a:xfrm>
+            <a:off x="1109533" y="259307"/>
+            <a:ext cx="2559868" cy="707886"/>
+          </a:xfrm>
+          <a:prstGeom prst="rect">
+            <a:avLst/>
+          </a:prstGeom>
+          <a:noFill/>
+        </p:spPr>
+        <p:txBody>
+          <a:bodyPr wrap="none" rtlCol="0">
+            <a:spAutoFit/>
+          </a:bodyPr>
+          <a:lstStyle/>
+          <a:p>
+            <a:r>
+              <a:rPr lang="en-US" sz="4000" b="1" dirty="0">
+                <a:latin typeface="Arial Black" panose="020B0A04020102020204" pitchFamily="34" charset="0"/>
+              </a:rPr>
+              <a:t>Week #6</a:t>
+            </a:r>
+          </a:p>
+        </p:txBody>
+      </p:sp>
+    </p:spTree>
+    <p:extLst>
+      <p:ext uri="{BB962C8B-B14F-4D97-AF65-F5344CB8AC3E}">
+        <p14:creationId xmlns:p14="http://schemas.microsoft.com/office/powerpoint/2010/main" val="3410745830"/>
+      </p:ext>
+    </p:extLst>
+  </p:cSld>
+  <p:clrMapOvr>
+    <a:masterClrMapping/>
+  </p:clrMapOvr>
+</p:sld>
+</file>
+
+<file path=ppt/slides/slide13.xml><?xml version="1.0" encoding="utf-8"?>
 <p:sld xmlns:a="http://schemas.openxmlformats.org/drawingml/2006/main" xmlns:r="http://schemas.openxmlformats.org/officeDocument/2006/relationships" xmlns:p="http://schemas.openxmlformats.org/presentationml/2006/main">
   <p:cSld>
     <p:spTree>
@@ -6904,7 +7269,7 @@
                   <a:schemeClr val="tx1"/>
                 </a:solidFill>
               </a:rPr>
-              <a:t>3</a:t>
+              <a:t>13</a:t>
             </a:r>
           </a:p>
         </p:txBody>
@@ -7068,7 +7433,7 @@
 </p:sld>
 </file>
 
-<file path=ppt/slides/slide13.xml><?xml version="1.0" encoding="utf-8"?>
+<file path=ppt/slides/slide14.xml><?xml version="1.0" encoding="utf-8"?>
 <p:sld xmlns:a="http://schemas.openxmlformats.org/drawingml/2006/main" xmlns:r="http://schemas.openxmlformats.org/officeDocument/2006/relationships" xmlns:p="http://schemas.openxmlformats.org/presentationml/2006/main">
   <p:cSld>
     <p:spTree>
@@ -7234,7 +7599,7 @@
                   <a:schemeClr val="tx1"/>
                 </a:solidFill>
               </a:rPr>
-              <a:t>4</a:t>
+              <a:t>14</a:t>
             </a:r>
           </a:p>
         </p:txBody>
@@ -7398,7 +7763,389 @@
 </p:sld>
 </file>
 
-<file path=ppt/slides/slide14.xml><?xml version="1.0" encoding="utf-8"?>
+<file path=ppt/slides/slide15.xml><?xml version="1.0" encoding="utf-8"?>
+<p:sld xmlns:a="http://schemas.openxmlformats.org/drawingml/2006/main" xmlns:r="http://schemas.openxmlformats.org/officeDocument/2006/relationships" xmlns:p="http://schemas.openxmlformats.org/presentationml/2006/main">
+  <p:cSld>
+    <p:spTree>
+      <p:nvGrpSpPr>
+        <p:cNvPr id="1" name="">
+          <a:extLst>
+            <a:ext uri="{FF2B5EF4-FFF2-40B4-BE49-F238E27FC236}">
+              <a16:creationId xmlns:a16="http://schemas.microsoft.com/office/drawing/2014/main" id="{47DF9C13-05A4-00F3-A860-72AD65E0A06E}"/>
+            </a:ext>
+          </a:extLst>
+        </p:cNvPr>
+        <p:cNvGrpSpPr/>
+        <p:nvPr/>
+      </p:nvGrpSpPr>
+      <p:grpSpPr>
+        <a:xfrm>
+          <a:off x="0" y="0"/>
+          <a:ext cx="0" cy="0"/>
+          <a:chOff x="0" y="0"/>
+          <a:chExt cx="0" cy="0"/>
+        </a:xfrm>
+      </p:grpSpPr>
+      <p:pic>
+        <p:nvPicPr>
+          <p:cNvPr id="7" name="Picture 6">
+            <a:extLst>
+              <a:ext uri="{FF2B5EF4-FFF2-40B4-BE49-F238E27FC236}">
+                <a16:creationId xmlns:a16="http://schemas.microsoft.com/office/drawing/2014/main" id="{25E6FDAB-D442-9EA8-905E-BF5A169C9FB5}"/>
+              </a:ext>
+            </a:extLst>
+          </p:cNvPr>
+          <p:cNvPicPr>
+            <a:picLocks noChangeAspect="1"/>
+          </p:cNvPicPr>
+          <p:nvPr/>
+        </p:nvPicPr>
+        <p:blipFill>
+          <a:blip r:embed="rId2">
+            <a:extLst>
+              <a:ext uri="{28A0092B-C50C-407E-A947-70E740481C1C}">
+                <a14:useLocalDpi xmlns:a14="http://schemas.microsoft.com/office/drawing/2010/main" val="0"/>
+              </a:ext>
+            </a:extLst>
+          </a:blip>
+          <a:stretch>
+            <a:fillRect/>
+          </a:stretch>
+        </p:blipFill>
+        <p:spPr>
+          <a:xfrm>
+            <a:off x="0" y="4844958"/>
+            <a:ext cx="1915235" cy="1915235"/>
+          </a:xfrm>
+          <a:prstGeom prst="rect">
+            <a:avLst/>
+          </a:prstGeom>
+        </p:spPr>
+      </p:pic>
+      <p:sp>
+        <p:nvSpPr>
+          <p:cNvPr id="8" name="TextBox 7">
+            <a:extLst>
+              <a:ext uri="{FF2B5EF4-FFF2-40B4-BE49-F238E27FC236}">
+                <a16:creationId xmlns:a16="http://schemas.microsoft.com/office/drawing/2014/main" id="{69FF4E71-12CB-3666-C1EE-2C9A627335A2}"/>
+              </a:ext>
+            </a:extLst>
+          </p:cNvPr>
+          <p:cNvSpPr txBox="1"/>
+          <p:nvPr/>
+        </p:nvSpPr>
+        <p:spPr>
+          <a:xfrm>
+            <a:off x="9778558" y="259307"/>
+            <a:ext cx="2536272" cy="461665"/>
+          </a:xfrm>
+          <a:prstGeom prst="rect">
+            <a:avLst/>
+          </a:prstGeom>
+          <a:noFill/>
+        </p:spPr>
+        <p:txBody>
+          <a:bodyPr wrap="square" rtlCol="0">
+            <a:spAutoFit/>
+          </a:bodyPr>
+          <a:lstStyle/>
+          <a:p>
+            <a:r>
+              <a:rPr lang="en-US" sz="2400" b="1" dirty="0">
+                <a:solidFill>
+                  <a:schemeClr val="bg1"/>
+                </a:solidFill>
+                <a:latin typeface="Arial Black" panose="020B0A04020102020204" pitchFamily="34" charset="0"/>
+              </a:rPr>
+              <a:t>AI Academy</a:t>
+            </a:r>
+            <a:r>
+              <a:rPr lang="en-US" sz="2400" b="0" i="0" dirty="0">
+                <a:solidFill>
+                  <a:schemeClr val="bg1"/>
+                </a:solidFill>
+                <a:effectLst/>
+                <a:latin typeface="arial" panose="020B0604020202020204" pitchFamily="34" charset="0"/>
+              </a:rPr>
+              <a:t>®</a:t>
+            </a:r>
+            <a:endParaRPr lang="en-US" sz="2400" b="1" dirty="0">
+              <a:solidFill>
+                <a:schemeClr val="bg1"/>
+              </a:solidFill>
+              <a:latin typeface="Arial Black" panose="020B0A04020102020204" pitchFamily="34" charset="0"/>
+            </a:endParaRPr>
+          </a:p>
+        </p:txBody>
+      </p:sp>
+      <p:sp>
+        <p:nvSpPr>
+          <p:cNvPr id="13" name="Scroll: Vertical 12">
+            <a:extLst>
+              <a:ext uri="{FF2B5EF4-FFF2-40B4-BE49-F238E27FC236}">
+                <a16:creationId xmlns:a16="http://schemas.microsoft.com/office/drawing/2014/main" id="{48F135C3-AD06-1FA0-29F0-9123B4BC009F}"/>
+              </a:ext>
+            </a:extLst>
+          </p:cNvPr>
+          <p:cNvSpPr/>
+          <p:nvPr/>
+        </p:nvSpPr>
+        <p:spPr>
+          <a:xfrm>
+            <a:off x="10459839" y="887102"/>
+            <a:ext cx="1091821" cy="873457"/>
+          </a:xfrm>
+          <a:prstGeom prst="verticalScroll">
+            <a:avLst/>
+          </a:prstGeom>
+          <a:solidFill>
+            <a:schemeClr val="bg1"/>
+          </a:solidFill>
+        </p:spPr>
+        <p:style>
+          <a:lnRef idx="2">
+            <a:schemeClr val="accent1">
+              <a:shade val="15000"/>
+            </a:schemeClr>
+          </a:lnRef>
+          <a:fillRef idx="1">
+            <a:schemeClr val="accent1"/>
+          </a:fillRef>
+          <a:effectRef idx="0">
+            <a:schemeClr val="accent1"/>
+          </a:effectRef>
+          <a:fontRef idx="minor">
+            <a:schemeClr val="lt1"/>
+          </a:fontRef>
+        </p:style>
+        <p:txBody>
+          <a:bodyPr rtlCol="0" anchor="ctr"/>
+          <a:lstStyle/>
+          <a:p>
+            <a:pPr algn="ctr"/>
+            <a:r>
+              <a:rPr lang="en-US" sz="4400" b="1" dirty="0">
+                <a:solidFill>
+                  <a:schemeClr val="tx1"/>
+                </a:solidFill>
+              </a:rPr>
+              <a:t>15</a:t>
+            </a:r>
+          </a:p>
+        </p:txBody>
+      </p:sp>
+      <p:sp>
+        <p:nvSpPr>
+          <p:cNvPr id="3" name="TextBox 2">
+            <a:extLst>
+              <a:ext uri="{FF2B5EF4-FFF2-40B4-BE49-F238E27FC236}">
+                <a16:creationId xmlns:a16="http://schemas.microsoft.com/office/drawing/2014/main" id="{3A338323-A1BB-E65E-3214-184CC15AAEA5}"/>
+              </a:ext>
+            </a:extLst>
+          </p:cNvPr>
+          <p:cNvSpPr txBox="1"/>
+          <p:nvPr/>
+        </p:nvSpPr>
+        <p:spPr>
+          <a:xfrm>
+            <a:off x="1109533" y="259307"/>
+            <a:ext cx="2559868" cy="707886"/>
+          </a:xfrm>
+          <a:prstGeom prst="rect">
+            <a:avLst/>
+          </a:prstGeom>
+          <a:noFill/>
+        </p:spPr>
+        <p:txBody>
+          <a:bodyPr wrap="none" rtlCol="0">
+            <a:spAutoFit/>
+          </a:bodyPr>
+          <a:lstStyle/>
+          <a:p>
+            <a:r>
+              <a:rPr lang="en-US" sz="4000" b="1" dirty="0">
+                <a:latin typeface="Arial Black" panose="020B0A04020102020204" pitchFamily="34" charset="0"/>
+              </a:rPr>
+              <a:t>Week #6</a:t>
+            </a:r>
+          </a:p>
+        </p:txBody>
+      </p:sp>
+      <p:sp>
+        <p:nvSpPr>
+          <p:cNvPr id="4" name="TextBox 3">
+            <a:extLst>
+              <a:ext uri="{FF2B5EF4-FFF2-40B4-BE49-F238E27FC236}">
+                <a16:creationId xmlns:a16="http://schemas.microsoft.com/office/drawing/2014/main" id="{339ED732-9F74-5602-C2FF-4230B9A07B57}"/>
+              </a:ext>
+            </a:extLst>
+          </p:cNvPr>
+          <p:cNvSpPr txBox="1"/>
+          <p:nvPr/>
+        </p:nvSpPr>
+        <p:spPr>
+          <a:xfrm>
+            <a:off x="1915235" y="1120680"/>
+            <a:ext cx="8008254" cy="4642618"/>
+          </a:xfrm>
+          <a:prstGeom prst="rect">
+            <a:avLst/>
+          </a:prstGeom>
+          <a:noFill/>
+        </p:spPr>
+        <p:txBody>
+          <a:bodyPr wrap="square" rtlCol="0">
+            <a:spAutoFit/>
+          </a:bodyPr>
+          <a:lstStyle/>
+          <a:p>
+            <a:pPr marL="571500" indent="-571500">
+              <a:lnSpc>
+                <a:spcPct val="150000"/>
+              </a:lnSpc>
+              <a:buFont typeface="Wingdings" panose="05000000000000000000" pitchFamily="2" charset="2"/>
+              <a:buChar char="v"/>
+            </a:pPr>
+            <a:r>
+              <a:rPr lang="en-US" sz="2800" b="1" dirty="0">
+                <a:latin typeface="Times New Roman" panose="02020603050405020304" pitchFamily="18" charset="0"/>
+                <a:cs typeface="Times New Roman" panose="02020603050405020304" pitchFamily="18" charset="0"/>
+              </a:rPr>
+              <a:t>Suppliers local:</a:t>
+            </a:r>
+          </a:p>
+          <a:p>
+            <a:pPr marL="1485900" lvl="2" indent="-571500">
+              <a:lnSpc>
+                <a:spcPct val="150000"/>
+              </a:lnSpc>
+              <a:buFont typeface="+mj-lt"/>
+              <a:buAutoNum type="romanUcPeriod"/>
+            </a:pPr>
+            <a:r>
+              <a:rPr lang="en-US" sz="2400" dirty="0">
+                <a:latin typeface="Times New Roman" panose="02020603050405020304" pitchFamily="18" charset="0"/>
+                <a:cs typeface="Times New Roman" panose="02020603050405020304" pitchFamily="18" charset="0"/>
+              </a:rPr>
+              <a:t>DARAZ</a:t>
+            </a:r>
+            <a:endParaRPr lang="en-US" sz="2400" b="1" dirty="0">
+              <a:latin typeface="Times New Roman" panose="02020603050405020304" pitchFamily="18" charset="0"/>
+              <a:cs typeface="Times New Roman" panose="02020603050405020304" pitchFamily="18" charset="0"/>
+            </a:endParaRPr>
+          </a:p>
+          <a:p>
+            <a:pPr marL="571500" indent="-571500">
+              <a:lnSpc>
+                <a:spcPct val="150000"/>
+              </a:lnSpc>
+              <a:buFont typeface="Wingdings" panose="05000000000000000000" pitchFamily="2" charset="2"/>
+              <a:buChar char="v"/>
+            </a:pPr>
+            <a:r>
+              <a:rPr lang="en-US" sz="2800" b="1" dirty="0">
+                <a:latin typeface="Times New Roman" panose="02020603050405020304" pitchFamily="18" charset="0"/>
+                <a:cs typeface="Times New Roman" panose="02020603050405020304" pitchFamily="18" charset="0"/>
+              </a:rPr>
+              <a:t>Global Suppliers:</a:t>
+            </a:r>
+          </a:p>
+          <a:p>
+            <a:pPr marL="1485900" lvl="2" indent="-571500">
+              <a:lnSpc>
+                <a:spcPct val="150000"/>
+              </a:lnSpc>
+              <a:buFont typeface="+mj-lt"/>
+              <a:buAutoNum type="romanUcPeriod"/>
+            </a:pPr>
+            <a:r>
+              <a:rPr lang="en-US" sz="2400" dirty="0">
+                <a:latin typeface="Times New Roman" panose="02020603050405020304" pitchFamily="18" charset="0"/>
+                <a:cs typeface="Times New Roman" panose="02020603050405020304" pitchFamily="18" charset="0"/>
+              </a:rPr>
+              <a:t>ALIEXPRESS</a:t>
+            </a:r>
+          </a:p>
+          <a:p>
+            <a:pPr marL="1485900" lvl="2" indent="-571500">
+              <a:lnSpc>
+                <a:spcPct val="150000"/>
+              </a:lnSpc>
+              <a:buFont typeface="+mj-lt"/>
+              <a:buAutoNum type="romanUcPeriod"/>
+            </a:pPr>
+            <a:r>
+              <a:rPr lang="en-US" sz="2400" dirty="0">
+                <a:latin typeface="Times New Roman" panose="02020603050405020304" pitchFamily="18" charset="0"/>
+                <a:cs typeface="Times New Roman" panose="02020603050405020304" pitchFamily="18" charset="0"/>
+              </a:rPr>
+              <a:t>ALIBABA</a:t>
+            </a:r>
+          </a:p>
+          <a:p>
+            <a:pPr marL="1485900" lvl="2" indent="-571500">
+              <a:lnSpc>
+                <a:spcPct val="150000"/>
+              </a:lnSpc>
+              <a:buFont typeface="+mj-lt"/>
+              <a:buAutoNum type="romanUcPeriod"/>
+            </a:pPr>
+            <a:r>
+              <a:rPr lang="en-US" sz="2400" dirty="0">
+                <a:latin typeface="Times New Roman" panose="02020603050405020304" pitchFamily="18" charset="0"/>
+                <a:cs typeface="Times New Roman" panose="02020603050405020304" pitchFamily="18" charset="0"/>
+              </a:rPr>
+              <a:t>1688.com</a:t>
+            </a:r>
+          </a:p>
+          <a:p>
+            <a:pPr marL="1485900" lvl="2" indent="-571500">
+              <a:lnSpc>
+                <a:spcPct val="150000"/>
+              </a:lnSpc>
+              <a:buFont typeface="+mj-lt"/>
+              <a:buAutoNum type="romanUcPeriod"/>
+            </a:pPr>
+            <a:r>
+              <a:rPr lang="en-US" sz="2400" dirty="0">
+                <a:latin typeface="Times New Roman" panose="02020603050405020304" pitchFamily="18" charset="0"/>
+                <a:cs typeface="Times New Roman" panose="02020603050405020304" pitchFamily="18" charset="0"/>
+              </a:rPr>
+              <a:t>WALMART</a:t>
+            </a:r>
+          </a:p>
+          <a:p>
+            <a:pPr marL="1485900" lvl="2" indent="-571500">
+              <a:lnSpc>
+                <a:spcPct val="150000"/>
+              </a:lnSpc>
+              <a:buFont typeface="+mj-lt"/>
+              <a:buAutoNum type="romanUcPeriod"/>
+            </a:pPr>
+            <a:r>
+              <a:rPr lang="en-US" sz="2400" dirty="0">
+                <a:latin typeface="Times New Roman" panose="02020603050405020304" pitchFamily="18" charset="0"/>
+                <a:cs typeface="Times New Roman" panose="02020603050405020304" pitchFamily="18" charset="0"/>
+              </a:rPr>
+              <a:t>CJ DROPSHIPPING</a:t>
+            </a:r>
+          </a:p>
+        </p:txBody>
+      </p:sp>
+    </p:spTree>
+    <p:extLst>
+      <p:ext uri="{BB962C8B-B14F-4D97-AF65-F5344CB8AC3E}">
+        <p14:creationId xmlns:p14="http://schemas.microsoft.com/office/powerpoint/2010/main" val="4281485707"/>
+      </p:ext>
+    </p:extLst>
+  </p:cSld>
+  <p:clrMapOvr>
+    <a:masterClrMapping/>
+  </p:clrMapOvr>
+</p:sld>
+</file>
+
+<file path=ppt/slides/slide16.xml><?xml version="1.0" encoding="utf-8"?>
 <p:sld xmlns:a="http://schemas.openxmlformats.org/drawingml/2006/main" xmlns:r="http://schemas.openxmlformats.org/officeDocument/2006/relationships" xmlns:p="http://schemas.openxmlformats.org/presentationml/2006/main">
   <p:cSld>
     <p:spTree>
@@ -7564,7 +8311,7 @@
                   <a:schemeClr val="tx1"/>
                 </a:solidFill>
               </a:rPr>
-              <a:t>5</a:t>
+              <a:t>16</a:t>
             </a:r>
           </a:p>
         </p:txBody>
@@ -7719,6 +8466,348 @@
     <p:extLst>
       <p:ext uri="{BB962C8B-B14F-4D97-AF65-F5344CB8AC3E}">
         <p14:creationId xmlns:p14="http://schemas.microsoft.com/office/powerpoint/2010/main" val="4159704293"/>
+      </p:ext>
+    </p:extLst>
+  </p:cSld>
+  <p:clrMapOvr>
+    <a:masterClrMapping/>
+  </p:clrMapOvr>
+</p:sld>
+</file>
+
+<file path=ppt/slides/slide17.xml><?xml version="1.0" encoding="utf-8"?>
+<p:sld xmlns:a="http://schemas.openxmlformats.org/drawingml/2006/main" xmlns:r="http://schemas.openxmlformats.org/officeDocument/2006/relationships" xmlns:p="http://schemas.openxmlformats.org/presentationml/2006/main">
+  <p:cSld>
+    <p:spTree>
+      <p:nvGrpSpPr>
+        <p:cNvPr id="1" name="">
+          <a:extLst>
+            <a:ext uri="{FF2B5EF4-FFF2-40B4-BE49-F238E27FC236}">
+              <a16:creationId xmlns:a16="http://schemas.microsoft.com/office/drawing/2014/main" id="{652BEC75-8F64-27B0-ADE2-1F5D13E29634}"/>
+            </a:ext>
+          </a:extLst>
+        </p:cNvPr>
+        <p:cNvGrpSpPr/>
+        <p:nvPr/>
+      </p:nvGrpSpPr>
+      <p:grpSpPr>
+        <a:xfrm>
+          <a:off x="0" y="0"/>
+          <a:ext cx="0" cy="0"/>
+          <a:chOff x="0" y="0"/>
+          <a:chExt cx="0" cy="0"/>
+        </a:xfrm>
+      </p:grpSpPr>
+      <p:pic>
+        <p:nvPicPr>
+          <p:cNvPr id="7" name="Picture 6">
+            <a:extLst>
+              <a:ext uri="{FF2B5EF4-FFF2-40B4-BE49-F238E27FC236}">
+                <a16:creationId xmlns:a16="http://schemas.microsoft.com/office/drawing/2014/main" id="{B3DF5A13-DECF-0731-C22C-C7D3001751F0}"/>
+              </a:ext>
+            </a:extLst>
+          </p:cNvPr>
+          <p:cNvPicPr>
+            <a:picLocks noChangeAspect="1"/>
+          </p:cNvPicPr>
+          <p:nvPr/>
+        </p:nvPicPr>
+        <p:blipFill>
+          <a:blip r:embed="rId2">
+            <a:extLst>
+              <a:ext uri="{28A0092B-C50C-407E-A947-70E740481C1C}">
+                <a14:useLocalDpi xmlns:a14="http://schemas.microsoft.com/office/drawing/2010/main" val="0"/>
+              </a:ext>
+            </a:extLst>
+          </a:blip>
+          <a:stretch>
+            <a:fillRect/>
+          </a:stretch>
+        </p:blipFill>
+        <p:spPr>
+          <a:xfrm>
+            <a:off x="0" y="4844958"/>
+            <a:ext cx="1915235" cy="1915235"/>
+          </a:xfrm>
+          <a:prstGeom prst="rect">
+            <a:avLst/>
+          </a:prstGeom>
+        </p:spPr>
+      </p:pic>
+      <p:sp>
+        <p:nvSpPr>
+          <p:cNvPr id="8" name="TextBox 7">
+            <a:extLst>
+              <a:ext uri="{FF2B5EF4-FFF2-40B4-BE49-F238E27FC236}">
+                <a16:creationId xmlns:a16="http://schemas.microsoft.com/office/drawing/2014/main" id="{45C8D167-2F03-8954-57F8-08F53482CFA9}"/>
+              </a:ext>
+            </a:extLst>
+          </p:cNvPr>
+          <p:cNvSpPr txBox="1"/>
+          <p:nvPr/>
+        </p:nvSpPr>
+        <p:spPr>
+          <a:xfrm>
+            <a:off x="9778558" y="259307"/>
+            <a:ext cx="2536272" cy="461665"/>
+          </a:xfrm>
+          <a:prstGeom prst="rect">
+            <a:avLst/>
+          </a:prstGeom>
+          <a:noFill/>
+        </p:spPr>
+        <p:txBody>
+          <a:bodyPr wrap="square" rtlCol="0">
+            <a:spAutoFit/>
+          </a:bodyPr>
+          <a:lstStyle/>
+          <a:p>
+            <a:r>
+              <a:rPr lang="en-US" sz="2400" b="1" dirty="0">
+                <a:solidFill>
+                  <a:schemeClr val="bg1"/>
+                </a:solidFill>
+                <a:latin typeface="Arial Black" panose="020B0A04020102020204" pitchFamily="34" charset="0"/>
+              </a:rPr>
+              <a:t>AI Academy</a:t>
+            </a:r>
+            <a:r>
+              <a:rPr lang="en-US" sz="2400" b="0" i="0" dirty="0">
+                <a:solidFill>
+                  <a:schemeClr val="bg1"/>
+                </a:solidFill>
+                <a:effectLst/>
+                <a:latin typeface="arial" panose="020B0604020202020204" pitchFamily="34" charset="0"/>
+              </a:rPr>
+              <a:t>®</a:t>
+            </a:r>
+            <a:endParaRPr lang="en-US" sz="2400" b="1" dirty="0">
+              <a:solidFill>
+                <a:schemeClr val="bg1"/>
+              </a:solidFill>
+              <a:latin typeface="Arial Black" panose="020B0A04020102020204" pitchFamily="34" charset="0"/>
+            </a:endParaRPr>
+          </a:p>
+        </p:txBody>
+      </p:sp>
+      <p:sp>
+        <p:nvSpPr>
+          <p:cNvPr id="13" name="Scroll: Vertical 12">
+            <a:extLst>
+              <a:ext uri="{FF2B5EF4-FFF2-40B4-BE49-F238E27FC236}">
+                <a16:creationId xmlns:a16="http://schemas.microsoft.com/office/drawing/2014/main" id="{F936E3B0-6762-A2D4-C8F8-BCC3A7F97715}"/>
+              </a:ext>
+            </a:extLst>
+          </p:cNvPr>
+          <p:cNvSpPr/>
+          <p:nvPr/>
+        </p:nvSpPr>
+        <p:spPr>
+          <a:xfrm>
+            <a:off x="10459839" y="887102"/>
+            <a:ext cx="1091821" cy="873457"/>
+          </a:xfrm>
+          <a:prstGeom prst="verticalScroll">
+            <a:avLst/>
+          </a:prstGeom>
+          <a:solidFill>
+            <a:schemeClr val="bg1"/>
+          </a:solidFill>
+        </p:spPr>
+        <p:style>
+          <a:lnRef idx="2">
+            <a:schemeClr val="accent1">
+              <a:shade val="15000"/>
+            </a:schemeClr>
+          </a:lnRef>
+          <a:fillRef idx="1">
+            <a:schemeClr val="accent1"/>
+          </a:fillRef>
+          <a:effectRef idx="0">
+            <a:schemeClr val="accent1"/>
+          </a:effectRef>
+          <a:fontRef idx="minor">
+            <a:schemeClr val="lt1"/>
+          </a:fontRef>
+        </p:style>
+        <p:txBody>
+          <a:bodyPr rtlCol="0" anchor="ctr"/>
+          <a:lstStyle/>
+          <a:p>
+            <a:pPr algn="ctr"/>
+            <a:r>
+              <a:rPr lang="en-US" sz="4400" b="1" dirty="0">
+                <a:solidFill>
+                  <a:schemeClr val="tx1"/>
+                </a:solidFill>
+              </a:rPr>
+              <a:t>17</a:t>
+            </a:r>
+          </a:p>
+        </p:txBody>
+      </p:sp>
+      <p:sp>
+        <p:nvSpPr>
+          <p:cNvPr id="3" name="TextBox 2">
+            <a:extLst>
+              <a:ext uri="{FF2B5EF4-FFF2-40B4-BE49-F238E27FC236}">
+                <a16:creationId xmlns:a16="http://schemas.microsoft.com/office/drawing/2014/main" id="{13C7E109-1AAC-B21C-32DB-130CCA25A7A2}"/>
+              </a:ext>
+            </a:extLst>
+          </p:cNvPr>
+          <p:cNvSpPr txBox="1"/>
+          <p:nvPr/>
+        </p:nvSpPr>
+        <p:spPr>
+          <a:xfrm>
+            <a:off x="1109533" y="259307"/>
+            <a:ext cx="2559868" cy="707886"/>
+          </a:xfrm>
+          <a:prstGeom prst="rect">
+            <a:avLst/>
+          </a:prstGeom>
+          <a:noFill/>
+        </p:spPr>
+        <p:txBody>
+          <a:bodyPr wrap="none" rtlCol="0">
+            <a:spAutoFit/>
+          </a:bodyPr>
+          <a:lstStyle/>
+          <a:p>
+            <a:r>
+              <a:rPr lang="en-US" sz="4000" b="1" dirty="0">
+                <a:latin typeface="Arial Black" panose="020B0A04020102020204" pitchFamily="34" charset="0"/>
+              </a:rPr>
+              <a:t>Week #6</a:t>
+            </a:r>
+          </a:p>
+        </p:txBody>
+      </p:sp>
+      <p:sp>
+        <p:nvSpPr>
+          <p:cNvPr id="4" name="TextBox 3">
+            <a:extLst>
+              <a:ext uri="{FF2B5EF4-FFF2-40B4-BE49-F238E27FC236}">
+                <a16:creationId xmlns:a16="http://schemas.microsoft.com/office/drawing/2014/main" id="{A42E8E91-4E49-AB44-FAF5-B01AA235CDCD}"/>
+              </a:ext>
+            </a:extLst>
+          </p:cNvPr>
+          <p:cNvSpPr txBox="1"/>
+          <p:nvPr/>
+        </p:nvSpPr>
+        <p:spPr>
+          <a:xfrm>
+            <a:off x="1510500" y="967193"/>
+            <a:ext cx="7303716" cy="5104282"/>
+          </a:xfrm>
+          <a:prstGeom prst="rect">
+            <a:avLst/>
+          </a:prstGeom>
+          <a:noFill/>
+        </p:spPr>
+        <p:txBody>
+          <a:bodyPr wrap="square" rtlCol="0">
+            <a:spAutoFit/>
+          </a:bodyPr>
+          <a:lstStyle/>
+          <a:p>
+            <a:pPr>
+              <a:lnSpc>
+                <a:spcPct val="150000"/>
+              </a:lnSpc>
+            </a:pPr>
+            <a:r>
+              <a:rPr lang="en-US" sz="2800" b="1" dirty="0">
+                <a:latin typeface="Times New Roman" panose="02020603050405020304" pitchFamily="18" charset="0"/>
+                <a:cs typeface="Times New Roman" panose="02020603050405020304" pitchFamily="18" charset="0"/>
+              </a:rPr>
+              <a:t>Suppliers local:</a:t>
+            </a:r>
+          </a:p>
+          <a:p>
+            <a:pPr lvl="1">
+              <a:lnSpc>
+                <a:spcPct val="150000"/>
+              </a:lnSpc>
+            </a:pPr>
+            <a:r>
+              <a:rPr lang="en-US" sz="2400" dirty="0">
+                <a:latin typeface="Times New Roman" panose="02020603050405020304" pitchFamily="18" charset="0"/>
+                <a:cs typeface="Times New Roman" panose="02020603050405020304" pitchFamily="18" charset="0"/>
+              </a:rPr>
+              <a:t>Product testing is figuring out what a product is, how it is made, or how well it works. This helps companies make sure that their products meet the needs of a wide range of customers before they start making them.</a:t>
+            </a:r>
+          </a:p>
+          <a:p>
+            <a:pPr marL="1257300" lvl="2" indent="-342900">
+              <a:lnSpc>
+                <a:spcPct val="150000"/>
+              </a:lnSpc>
+              <a:buFont typeface="Arial" panose="020B0604020202020204" pitchFamily="34" charset="0"/>
+              <a:buChar char="•"/>
+            </a:pPr>
+            <a:r>
+              <a:rPr lang="en-US" sz="2400" dirty="0">
+                <a:latin typeface="Times New Roman" panose="02020603050405020304" pitchFamily="18" charset="0"/>
+                <a:cs typeface="Times New Roman" panose="02020603050405020304" pitchFamily="18" charset="0"/>
+              </a:rPr>
+              <a:t>Quality Assurance</a:t>
+            </a:r>
+          </a:p>
+          <a:p>
+            <a:pPr marL="1257300" lvl="2" indent="-342900">
+              <a:lnSpc>
+                <a:spcPct val="150000"/>
+              </a:lnSpc>
+              <a:buFont typeface="Arial" panose="020B0604020202020204" pitchFamily="34" charset="0"/>
+              <a:buChar char="•"/>
+            </a:pPr>
+            <a:r>
+              <a:rPr lang="en-US" sz="2400" dirty="0">
+                <a:latin typeface="Times New Roman" panose="02020603050405020304" pitchFamily="18" charset="0"/>
+                <a:cs typeface="Times New Roman" panose="02020603050405020304" pitchFamily="18" charset="0"/>
+              </a:rPr>
+              <a:t>Concept Testing</a:t>
+            </a:r>
+          </a:p>
+          <a:p>
+            <a:pPr marL="1257300" lvl="2" indent="-342900">
+              <a:lnSpc>
+                <a:spcPct val="150000"/>
+              </a:lnSpc>
+              <a:buFont typeface="Arial" panose="020B0604020202020204" pitchFamily="34" charset="0"/>
+              <a:buChar char="•"/>
+            </a:pPr>
+            <a:r>
+              <a:rPr lang="en-US" sz="2400" dirty="0">
+                <a:latin typeface="Times New Roman" panose="02020603050405020304" pitchFamily="18" charset="0"/>
+                <a:cs typeface="Times New Roman" panose="02020603050405020304" pitchFamily="18" charset="0"/>
+              </a:rPr>
+              <a:t>A/B Testing</a:t>
+            </a:r>
+          </a:p>
+          <a:p>
+            <a:pPr marL="1257300" lvl="2" indent="-342900">
+              <a:lnSpc>
+                <a:spcPct val="150000"/>
+              </a:lnSpc>
+              <a:buFont typeface="Arial" panose="020B0604020202020204" pitchFamily="34" charset="0"/>
+              <a:buChar char="•"/>
+            </a:pPr>
+            <a:r>
+              <a:rPr lang="en-US" sz="2400" dirty="0">
+                <a:latin typeface="Times New Roman" panose="02020603050405020304" pitchFamily="18" charset="0"/>
+                <a:cs typeface="Times New Roman" panose="02020603050405020304" pitchFamily="18" charset="0"/>
+              </a:rPr>
+              <a:t>Avoid Making Assumptions</a:t>
+            </a:r>
+          </a:p>
+        </p:txBody>
+      </p:sp>
+    </p:spTree>
+    <p:extLst>
+      <p:ext uri="{BB962C8B-B14F-4D97-AF65-F5344CB8AC3E}">
+        <p14:creationId xmlns:p14="http://schemas.microsoft.com/office/powerpoint/2010/main" val="2058171777"/>
       </p:ext>
     </p:extLst>
   </p:cSld>
@@ -7888,7 +8977,7 @@
                   <a:schemeClr val="tx1"/>
                 </a:solidFill>
               </a:rPr>
-              <a:t>1</a:t>
+              <a:t>2</a:t>
             </a:r>
           </a:p>
         </p:txBody>
@@ -8133,7 +9222,7 @@
                   <a:schemeClr val="tx1"/>
                 </a:solidFill>
               </a:rPr>
-              <a:t>1</a:t>
+              <a:t>3</a:t>
             </a:r>
           </a:p>
         </p:txBody>
@@ -8378,7 +9467,7 @@
                   <a:schemeClr val="tx1"/>
                 </a:solidFill>
               </a:rPr>
-              <a:t>1</a:t>
+              <a:t>4</a:t>
             </a:r>
           </a:p>
         </p:txBody>
@@ -8667,7 +9756,7 @@
                   <a:schemeClr val="tx1"/>
                 </a:solidFill>
               </a:rPr>
-              <a:t>1</a:t>
+              <a:t>5</a:t>
             </a:r>
           </a:p>
         </p:txBody>
@@ -8942,7 +10031,7 @@
                   <a:schemeClr val="tx1"/>
                 </a:solidFill>
               </a:rPr>
-              <a:t>1</a:t>
+              <a:t>6</a:t>
             </a:r>
           </a:p>
         </p:txBody>
@@ -9217,7 +10306,7 @@
                   <a:schemeClr val="tx1"/>
                 </a:solidFill>
               </a:rPr>
-              <a:t>1</a:t>
+              <a:t>7</a:t>
             </a:r>
           </a:p>
         </p:txBody>
@@ -9492,7 +10581,7 @@
                   <a:schemeClr val="tx1"/>
                 </a:solidFill>
               </a:rPr>
-              <a:t>1</a:t>
+              <a:t>8</a:t>
             </a:r>
           </a:p>
         </p:txBody>
@@ -9767,7 +10856,7 @@
                   <a:schemeClr val="tx1"/>
                 </a:solidFill>
               </a:rPr>
-              <a:t>1</a:t>
+              <a:t>9</a:t>
             </a:r>
           </a:p>
         </p:txBody>
